--- a/lecture-materials/Analytics/Kinesis/Kinesis.pptx
+++ b/lecture-materials/Analytics/Kinesis/Kinesis.pptx
@@ -215,7 +215,7 @@
           <a:p>
             <a:fld id="{C7338573-6D86-FE4E-BA3C-CF99651A2D99}" type="datetimeFigureOut">
               <a:rPr lang="en-CH" smtClean="0"/>
-              <a:t>09.09.23</a:t>
+              <a:t>10.09.23</a:t>
             </a:fld>
             <a:endParaRPr lang="en-CH"/>
           </a:p>
@@ -716,7 +716,7 @@
           <a:p>
             <a:fld id="{322C9020-58D6-4B4B-AE71-CBBD8D6FD410}" type="datetimeFigureOut">
               <a:rPr lang="en-CH" smtClean="0"/>
-              <a:t>09.09.23</a:t>
+              <a:t>10.09.23</a:t>
             </a:fld>
             <a:endParaRPr lang="en-CH"/>
           </a:p>
@@ -916,7 +916,7 @@
           <a:p>
             <a:fld id="{322C9020-58D6-4B4B-AE71-CBBD8D6FD410}" type="datetimeFigureOut">
               <a:rPr lang="en-CH" smtClean="0"/>
-              <a:t>09.09.23</a:t>
+              <a:t>10.09.23</a:t>
             </a:fld>
             <a:endParaRPr lang="en-CH"/>
           </a:p>
@@ -1126,7 +1126,7 @@
           <a:p>
             <a:fld id="{322C9020-58D6-4B4B-AE71-CBBD8D6FD410}" type="datetimeFigureOut">
               <a:rPr lang="en-CH" smtClean="0"/>
-              <a:t>09.09.23</a:t>
+              <a:t>10.09.23</a:t>
             </a:fld>
             <a:endParaRPr lang="en-CH"/>
           </a:p>
@@ -1326,7 +1326,7 @@
           <a:p>
             <a:fld id="{322C9020-58D6-4B4B-AE71-CBBD8D6FD410}" type="datetimeFigureOut">
               <a:rPr lang="en-CH" smtClean="0"/>
-              <a:t>09.09.23</a:t>
+              <a:t>10.09.23</a:t>
             </a:fld>
             <a:endParaRPr lang="en-CH"/>
           </a:p>
@@ -1602,7 +1602,7 @@
           <a:p>
             <a:fld id="{322C9020-58D6-4B4B-AE71-CBBD8D6FD410}" type="datetimeFigureOut">
               <a:rPr lang="en-CH" smtClean="0"/>
-              <a:t>09.09.23</a:t>
+              <a:t>10.09.23</a:t>
             </a:fld>
             <a:endParaRPr lang="en-CH"/>
           </a:p>
@@ -1870,7 +1870,7 @@
           <a:p>
             <a:fld id="{322C9020-58D6-4B4B-AE71-CBBD8D6FD410}" type="datetimeFigureOut">
               <a:rPr lang="en-CH" smtClean="0"/>
-              <a:t>09.09.23</a:t>
+              <a:t>10.09.23</a:t>
             </a:fld>
             <a:endParaRPr lang="en-CH"/>
           </a:p>
@@ -2285,7 +2285,7 @@
           <a:p>
             <a:fld id="{322C9020-58D6-4B4B-AE71-CBBD8D6FD410}" type="datetimeFigureOut">
               <a:rPr lang="en-CH" smtClean="0"/>
-              <a:t>09.09.23</a:t>
+              <a:t>10.09.23</a:t>
             </a:fld>
             <a:endParaRPr lang="en-CH"/>
           </a:p>
@@ -2427,7 +2427,7 @@
           <a:p>
             <a:fld id="{322C9020-58D6-4B4B-AE71-CBBD8D6FD410}" type="datetimeFigureOut">
               <a:rPr lang="en-CH" smtClean="0"/>
-              <a:t>09.09.23</a:t>
+              <a:t>10.09.23</a:t>
             </a:fld>
             <a:endParaRPr lang="en-CH"/>
           </a:p>
@@ -2540,7 +2540,7 @@
           <a:p>
             <a:fld id="{322C9020-58D6-4B4B-AE71-CBBD8D6FD410}" type="datetimeFigureOut">
               <a:rPr lang="en-CH" smtClean="0"/>
-              <a:t>09.09.23</a:t>
+              <a:t>10.09.23</a:t>
             </a:fld>
             <a:endParaRPr lang="en-CH"/>
           </a:p>
@@ -2853,7 +2853,7 @@
           <a:p>
             <a:fld id="{322C9020-58D6-4B4B-AE71-CBBD8D6FD410}" type="datetimeFigureOut">
               <a:rPr lang="en-CH" smtClean="0"/>
-              <a:t>09.09.23</a:t>
+              <a:t>10.09.23</a:t>
             </a:fld>
             <a:endParaRPr lang="en-CH"/>
           </a:p>
@@ -3142,7 +3142,7 @@
           <a:p>
             <a:fld id="{322C9020-58D6-4B4B-AE71-CBBD8D6FD410}" type="datetimeFigureOut">
               <a:rPr lang="en-CH" smtClean="0"/>
-              <a:t>09.09.23</a:t>
+              <a:t>10.09.23</a:t>
             </a:fld>
             <a:endParaRPr lang="en-CH"/>
           </a:p>
@@ -3385,7 +3385,7 @@
           <a:p>
             <a:fld id="{322C9020-58D6-4B4B-AE71-CBBD8D6FD410}" type="datetimeFigureOut">
               <a:rPr lang="en-CH" smtClean="0"/>
-              <a:t>09.09.23</a:t>
+              <a:t>10.09.23</a:t>
             </a:fld>
             <a:endParaRPr lang="en-CH"/>
           </a:p>
@@ -8942,8 +8942,8 @@
           <a:lstStyle/>
           <a:p>
             <a:r>
-              <a:rPr lang="en-CH" sz="5400"/>
-              <a:t>Kinesis Data Analytics</a:t>
+              <a:rPr lang="en-CH" sz="5400" dirty="0"/>
+              <a:t>Kinesis Data Analytics Use Cases</a:t>
             </a:r>
           </a:p>
         </p:txBody>
